--- a/Retail_Sales_Presentation_Rauzi.pptx
+++ b/Retail_Sales_Presentation_Rauzi.pptx
@@ -114,6 +114,11 @@
       </a:defRPr>
     </a:lvl9pPr>
   </p:defaultTextStyle>
+  <p:extLst>
+    <p:ext uri="{EFAFB233-063F-42B5-8137-9DF3F51BA10A}">
+      <p15:sldGuideLst xmlns:p15="http://schemas.microsoft.com/office/powerpoint/2012/main"/>
+    </p:ext>
+  </p:extLst>
 </p:presentation>
 </file>
 
@@ -264,7 +269,7 @@
           <a:p>
             <a:fld id="{E4436EF2-B10A-45C2-B056-179FFFB2A2D8}" type="datetimeFigureOut">
               <a:rPr lang="en-US" smtClean="0"/>
-              <a:t>10/25/2022</a:t>
+              <a:t>10/27/2022</a:t>
             </a:fld>
             <a:endParaRPr lang="en-US"/>
           </a:p>
@@ -462,7 +467,7 @@
           <a:p>
             <a:fld id="{E4436EF2-B10A-45C2-B056-179FFFB2A2D8}" type="datetimeFigureOut">
               <a:rPr lang="en-US" smtClean="0"/>
-              <a:t>10/25/2022</a:t>
+              <a:t>10/27/2022</a:t>
             </a:fld>
             <a:endParaRPr lang="en-US"/>
           </a:p>
@@ -670,7 +675,7 @@
           <a:p>
             <a:fld id="{E4436EF2-B10A-45C2-B056-179FFFB2A2D8}" type="datetimeFigureOut">
               <a:rPr lang="en-US" smtClean="0"/>
-              <a:t>10/25/2022</a:t>
+              <a:t>10/27/2022</a:t>
             </a:fld>
             <a:endParaRPr lang="en-US"/>
           </a:p>
@@ -868,7 +873,7 @@
           <a:p>
             <a:fld id="{E4436EF2-B10A-45C2-B056-179FFFB2A2D8}" type="datetimeFigureOut">
               <a:rPr lang="en-US" smtClean="0"/>
-              <a:t>10/25/2022</a:t>
+              <a:t>10/27/2022</a:t>
             </a:fld>
             <a:endParaRPr lang="en-US"/>
           </a:p>
@@ -1143,7 +1148,7 @@
           <a:p>
             <a:fld id="{E4436EF2-B10A-45C2-B056-179FFFB2A2D8}" type="datetimeFigureOut">
               <a:rPr lang="en-US" smtClean="0"/>
-              <a:t>10/25/2022</a:t>
+              <a:t>10/27/2022</a:t>
             </a:fld>
             <a:endParaRPr lang="en-US"/>
           </a:p>
@@ -1408,7 +1413,7 @@
           <a:p>
             <a:fld id="{E4436EF2-B10A-45C2-B056-179FFFB2A2D8}" type="datetimeFigureOut">
               <a:rPr lang="en-US" smtClean="0"/>
-              <a:t>10/25/2022</a:t>
+              <a:t>10/27/2022</a:t>
             </a:fld>
             <a:endParaRPr lang="en-US"/>
           </a:p>
@@ -1820,7 +1825,7 @@
           <a:p>
             <a:fld id="{E4436EF2-B10A-45C2-B056-179FFFB2A2D8}" type="datetimeFigureOut">
               <a:rPr lang="en-US" smtClean="0"/>
-              <a:t>10/25/2022</a:t>
+              <a:t>10/27/2022</a:t>
             </a:fld>
             <a:endParaRPr lang="en-US"/>
           </a:p>
@@ -1961,7 +1966,7 @@
           <a:p>
             <a:fld id="{E4436EF2-B10A-45C2-B056-179FFFB2A2D8}" type="datetimeFigureOut">
               <a:rPr lang="en-US" smtClean="0"/>
-              <a:t>10/25/2022</a:t>
+              <a:t>10/27/2022</a:t>
             </a:fld>
             <a:endParaRPr lang="en-US"/>
           </a:p>
@@ -2074,7 +2079,7 @@
           <a:p>
             <a:fld id="{E4436EF2-B10A-45C2-B056-179FFFB2A2D8}" type="datetimeFigureOut">
               <a:rPr lang="en-US" smtClean="0"/>
-              <a:t>10/25/2022</a:t>
+              <a:t>10/27/2022</a:t>
             </a:fld>
             <a:endParaRPr lang="en-US"/>
           </a:p>
@@ -2385,7 +2390,7 @@
           <a:p>
             <a:fld id="{E4436EF2-B10A-45C2-B056-179FFFB2A2D8}" type="datetimeFigureOut">
               <a:rPr lang="en-US" smtClean="0"/>
-              <a:t>10/25/2022</a:t>
+              <a:t>10/27/2022</a:t>
             </a:fld>
             <a:endParaRPr lang="en-US"/>
           </a:p>
@@ -2673,7 +2678,7 @@
           <a:p>
             <a:fld id="{E4436EF2-B10A-45C2-B056-179FFFB2A2D8}" type="datetimeFigureOut">
               <a:rPr lang="en-US" smtClean="0"/>
-              <a:t>10/25/2022</a:t>
+              <a:t>10/27/2022</a:t>
             </a:fld>
             <a:endParaRPr lang="en-US"/>
           </a:p>
@@ -2944,7 +2949,7 @@
           <a:p>
             <a:fld id="{E4436EF2-B10A-45C2-B056-179FFFB2A2D8}" type="datetimeFigureOut">
               <a:rPr lang="en-US" smtClean="0"/>
-              <a:t>10/25/2022</a:t>
+              <a:t>10/27/2022</a:t>
             </a:fld>
             <a:endParaRPr lang="en-US"/>
           </a:p>
@@ -3887,7 +3892,7 @@
         </p:blipFill>
         <p:spPr>
           <a:xfrm>
-            <a:off x="3391442" y="690184"/>
+            <a:off x="3414302" y="598744"/>
             <a:ext cx="5798278" cy="3787668"/>
           </a:xfrm>
           <a:prstGeom prst="rect">
@@ -4421,7 +4426,7 @@
         </p:blipFill>
         <p:spPr>
           <a:xfrm>
-            <a:off x="455839" y="1866366"/>
+            <a:off x="993049" y="1809216"/>
             <a:ext cx="6002111" cy="3799898"/>
           </a:xfrm>
           <a:ln w="25400">
@@ -4453,8 +4458,8 @@
         </p:blipFill>
         <p:spPr>
           <a:xfrm>
-            <a:off x="7025600" y="1955099"/>
-            <a:ext cx="2164119" cy="3633918"/>
+            <a:off x="7025600" y="1783080"/>
+            <a:ext cx="2266562" cy="3805937"/>
           </a:xfrm>
           <a:prstGeom prst="rect">
             <a:avLst/>
